--- a/documentation/Rabbit-MQ.pptx
+++ b/documentation/Rabbit-MQ.pptx
@@ -269,7 +269,7 @@
           <a:p>
             <a:fld id="{0D0CBBB8-9E7D-43E6-A6B6-205170407886}" type="datetimeFigureOut">
               <a:rPr lang="fr-FR" smtClean="0"/>
-              <a:t>25/09/2022</a:t>
+              <a:t>09/10/2022</a:t>
             </a:fld>
             <a:endParaRPr lang="fr-FR"/>
           </a:p>
@@ -439,7 +439,7 @@
           <a:p>
             <a:fld id="{0D0CBBB8-9E7D-43E6-A6B6-205170407886}" type="datetimeFigureOut">
               <a:rPr lang="fr-FR" smtClean="0"/>
-              <a:t>25/09/2022</a:t>
+              <a:t>09/10/2022</a:t>
             </a:fld>
             <a:endParaRPr lang="fr-FR"/>
           </a:p>
@@ -619,7 +619,7 @@
           <a:p>
             <a:fld id="{0D0CBBB8-9E7D-43E6-A6B6-205170407886}" type="datetimeFigureOut">
               <a:rPr lang="fr-FR" smtClean="0"/>
-              <a:t>25/09/2022</a:t>
+              <a:t>09/10/2022</a:t>
             </a:fld>
             <a:endParaRPr lang="fr-FR"/>
           </a:p>
@@ -789,7 +789,7 @@
           <a:p>
             <a:fld id="{0D0CBBB8-9E7D-43E6-A6B6-205170407886}" type="datetimeFigureOut">
               <a:rPr lang="fr-FR" smtClean="0"/>
-              <a:t>25/09/2022</a:t>
+              <a:t>09/10/2022</a:t>
             </a:fld>
             <a:endParaRPr lang="fr-FR"/>
           </a:p>
@@ -1033,7 +1033,7 @@
           <a:p>
             <a:fld id="{0D0CBBB8-9E7D-43E6-A6B6-205170407886}" type="datetimeFigureOut">
               <a:rPr lang="fr-FR" smtClean="0"/>
-              <a:t>25/09/2022</a:t>
+              <a:t>09/10/2022</a:t>
             </a:fld>
             <a:endParaRPr lang="fr-FR"/>
           </a:p>
@@ -1265,7 +1265,7 @@
           <a:p>
             <a:fld id="{0D0CBBB8-9E7D-43E6-A6B6-205170407886}" type="datetimeFigureOut">
               <a:rPr lang="fr-FR" smtClean="0"/>
-              <a:t>25/09/2022</a:t>
+              <a:t>09/10/2022</a:t>
             </a:fld>
             <a:endParaRPr lang="fr-FR"/>
           </a:p>
@@ -1632,7 +1632,7 @@
           <a:p>
             <a:fld id="{0D0CBBB8-9E7D-43E6-A6B6-205170407886}" type="datetimeFigureOut">
               <a:rPr lang="fr-FR" smtClean="0"/>
-              <a:t>25/09/2022</a:t>
+              <a:t>09/10/2022</a:t>
             </a:fld>
             <a:endParaRPr lang="fr-FR"/>
           </a:p>
@@ -1750,7 +1750,7 @@
           <a:p>
             <a:fld id="{0D0CBBB8-9E7D-43E6-A6B6-205170407886}" type="datetimeFigureOut">
               <a:rPr lang="fr-FR" smtClean="0"/>
-              <a:t>25/09/2022</a:t>
+              <a:t>09/10/2022</a:t>
             </a:fld>
             <a:endParaRPr lang="fr-FR"/>
           </a:p>
@@ -1845,7 +1845,7 @@
           <a:p>
             <a:fld id="{0D0CBBB8-9E7D-43E6-A6B6-205170407886}" type="datetimeFigureOut">
               <a:rPr lang="fr-FR" smtClean="0"/>
-              <a:t>25/09/2022</a:t>
+              <a:t>09/10/2022</a:t>
             </a:fld>
             <a:endParaRPr lang="fr-FR"/>
           </a:p>
@@ -2122,7 +2122,7 @@
           <a:p>
             <a:fld id="{0D0CBBB8-9E7D-43E6-A6B6-205170407886}" type="datetimeFigureOut">
               <a:rPr lang="fr-FR" smtClean="0"/>
-              <a:t>25/09/2022</a:t>
+              <a:t>09/10/2022</a:t>
             </a:fld>
             <a:endParaRPr lang="fr-FR"/>
           </a:p>
@@ -2379,7 +2379,7 @@
           <a:p>
             <a:fld id="{0D0CBBB8-9E7D-43E6-A6B6-205170407886}" type="datetimeFigureOut">
               <a:rPr lang="fr-FR" smtClean="0"/>
-              <a:t>25/09/2022</a:t>
+              <a:t>09/10/2022</a:t>
             </a:fld>
             <a:endParaRPr lang="fr-FR"/>
           </a:p>
@@ -2592,7 +2592,7 @@
           <a:p>
             <a:fld id="{0D0CBBB8-9E7D-43E6-A6B6-205170407886}" type="datetimeFigureOut">
               <a:rPr lang="fr-FR" smtClean="0"/>
-              <a:t>25/09/2022</a:t>
+              <a:t>09/10/2022</a:t>
             </a:fld>
             <a:endParaRPr lang="fr-FR"/>
           </a:p>
@@ -3619,7 +3619,7 @@
         <p:spPr>
           <a:xfrm>
             <a:off x="252548" y="2447113"/>
-            <a:ext cx="8530827" cy="3953691"/>
+            <a:ext cx="8530827" cy="4096642"/>
           </a:xfrm>
           <a:prstGeom prst="roundRect">
             <a:avLst/>
@@ -3665,7 +3665,7 @@
         </p:nvSpPr>
         <p:spPr>
           <a:xfrm>
-            <a:off x="7714928" y="2559579"/>
+            <a:off x="7895891" y="2559579"/>
             <a:ext cx="399783" cy="1132114"/>
           </a:xfrm>
           <a:prstGeom prst="roundRect">
@@ -3719,7 +3719,7 @@
         </p:nvSpPr>
         <p:spPr>
           <a:xfrm>
-            <a:off x="7696000" y="5048739"/>
+            <a:off x="7895891" y="5252585"/>
             <a:ext cx="399783" cy="1132114"/>
           </a:xfrm>
           <a:prstGeom prst="roundRect">
@@ -3774,7 +3774,7 @@
         </p:nvSpPr>
         <p:spPr>
           <a:xfrm>
-            <a:off x="7696000" y="3804159"/>
+            <a:off x="7895891" y="3857901"/>
             <a:ext cx="399783" cy="1132114"/>
           </a:xfrm>
           <a:prstGeom prst="roundRect">
@@ -3828,8 +3828,8 @@
         </p:nvSpPr>
         <p:spPr>
           <a:xfrm>
-            <a:off x="1935377" y="3833034"/>
-            <a:ext cx="1675902" cy="1132113"/>
+            <a:off x="2271665" y="4002723"/>
+            <a:ext cx="1570916" cy="898415"/>
           </a:xfrm>
           <a:prstGeom prst="hexagon">
             <a:avLst/>
@@ -3895,8 +3895,8 @@
         </p:blipFill>
         <p:spPr>
           <a:xfrm>
-            <a:off x="360624" y="3946245"/>
-            <a:ext cx="1297040" cy="905692"/>
+            <a:off x="339534" y="4096652"/>
+            <a:ext cx="1017584" cy="710555"/>
           </a:xfrm>
           <a:prstGeom prst="rect">
             <a:avLst/>
@@ -3917,11 +3917,14 @@
         </p:nvSpPr>
         <p:spPr>
           <a:xfrm rot="20767841">
-            <a:off x="3826715" y="3148553"/>
-            <a:ext cx="3874360" cy="664715"/>
+            <a:off x="3951823" y="3133337"/>
+            <a:ext cx="3747401" cy="664715"/>
           </a:xfrm>
           <a:prstGeom prst="rightArrow">
-            <a:avLst/>
+            <a:avLst>
+              <a:gd name="adj1" fmla="val 50000"/>
+              <a:gd name="adj2" fmla="val 91318"/>
+            </a:avLst>
           </a:prstGeom>
         </p:spPr>
         <p:style>
@@ -3978,11 +3981,14 @@
         </p:nvSpPr>
         <p:spPr>
           <a:xfrm>
-            <a:off x="3881637" y="4066732"/>
-            <a:ext cx="3814363" cy="664715"/>
+            <a:off x="4014206" y="4066732"/>
+            <a:ext cx="3681794" cy="664715"/>
           </a:xfrm>
           <a:prstGeom prst="rightArrow">
-            <a:avLst/>
+            <a:avLst>
+              <a:gd name="adj1" fmla="val 50000"/>
+              <a:gd name="adj2" fmla="val 69259"/>
+            </a:avLst>
           </a:prstGeom>
         </p:spPr>
         <p:style>
@@ -4039,7 +4045,7 @@
         </p:nvSpPr>
         <p:spPr>
           <a:xfrm rot="677181">
-            <a:off x="3901362" y="5067919"/>
+            <a:off x="3970878" y="5119357"/>
             <a:ext cx="3408758" cy="369332"/>
           </a:xfrm>
           <a:prstGeom prst="rect">
@@ -4126,6 +4132,52 @@
           </a:p>
         </p:txBody>
       </p:sp>
+      <p:cxnSp>
+        <p:nvCxnSpPr>
+          <p:cNvPr id="14" name="Connecteur droit avec flèche 13">
+            <a:extLst>
+              <a:ext uri="{FF2B5EF4-FFF2-40B4-BE49-F238E27FC236}">
+                <a16:creationId xmlns:a16="http://schemas.microsoft.com/office/drawing/2014/main" id="{0C66C6C5-DD05-40AD-A744-140FDF1BFED0}"/>
+              </a:ext>
+            </a:extLst>
+          </p:cNvPr>
+          <p:cNvCxnSpPr>
+            <a:cxnSpLocks/>
+            <a:stCxn id="5" idx="3"/>
+            <a:endCxn id="11" idx="3"/>
+          </p:cNvCxnSpPr>
+          <p:nvPr/>
+        </p:nvCxnSpPr>
+        <p:spPr>
+          <a:xfrm>
+            <a:off x="1357118" y="4451930"/>
+            <a:ext cx="914547" cy="1"/>
+          </a:xfrm>
+          <a:prstGeom prst="straightConnector1">
+            <a:avLst/>
+          </a:prstGeom>
+          <a:ln w="76200">
+            <a:solidFill>
+              <a:srgbClr val="00B0F0"/>
+            </a:solidFill>
+            <a:tailEnd type="triangle"/>
+          </a:ln>
+        </p:spPr>
+        <p:style>
+          <a:lnRef idx="1">
+            <a:schemeClr val="accent1"/>
+          </a:lnRef>
+          <a:fillRef idx="0">
+            <a:schemeClr val="accent1"/>
+          </a:fillRef>
+          <a:effectRef idx="0">
+            <a:schemeClr val="accent1"/>
+          </a:effectRef>
+          <a:fontRef idx="minor">
+            <a:schemeClr val="tx1"/>
+          </a:fontRef>
+        </p:style>
+      </p:cxnSp>
     </p:spTree>
     <p:extLst>
       <p:ext uri="{BB962C8B-B14F-4D97-AF65-F5344CB8AC3E}">
@@ -4397,7 +4449,7 @@
         <p:spPr>
           <a:xfrm>
             <a:off x="252548" y="2717082"/>
-            <a:ext cx="8530827" cy="3953691"/>
+            <a:ext cx="8630606" cy="3953691"/>
           </a:xfrm>
           <a:prstGeom prst="roundRect">
             <a:avLst/>
@@ -4443,7 +4495,7 @@
         </p:nvSpPr>
         <p:spPr>
           <a:xfrm>
-            <a:off x="7714928" y="2829548"/>
+            <a:off x="7998392" y="2862943"/>
             <a:ext cx="399783" cy="1132114"/>
           </a:xfrm>
           <a:prstGeom prst="roundRect">
@@ -4497,7 +4549,7 @@
         </p:nvSpPr>
         <p:spPr>
           <a:xfrm>
-            <a:off x="7696000" y="5318708"/>
+            <a:off x="7998392" y="5285313"/>
             <a:ext cx="399783" cy="1132114"/>
           </a:xfrm>
           <a:prstGeom prst="roundRect">
@@ -4552,7 +4604,7 @@
         </p:nvSpPr>
         <p:spPr>
           <a:xfrm>
-            <a:off x="7696000" y="4074128"/>
+            <a:off x="7998392" y="4074128"/>
             <a:ext cx="399783" cy="1132114"/>
           </a:xfrm>
           <a:prstGeom prst="roundRect">
@@ -4606,8 +4658,8 @@
         </p:nvSpPr>
         <p:spPr>
           <a:xfrm>
-            <a:off x="2066012" y="4103003"/>
-            <a:ext cx="1675902" cy="1132113"/>
+            <a:off x="2356605" y="4330701"/>
+            <a:ext cx="1675902" cy="898415"/>
           </a:xfrm>
           <a:prstGeom prst="hexagon">
             <a:avLst/>
@@ -4673,8 +4725,8 @@
         </p:blipFill>
         <p:spPr>
           <a:xfrm>
-            <a:off x="569629" y="4216214"/>
-            <a:ext cx="1297040" cy="905692"/>
+            <a:off x="688630" y="4436351"/>
+            <a:ext cx="1007133" cy="703257"/>
           </a:xfrm>
           <a:prstGeom prst="rect">
             <a:avLst/>
@@ -4695,11 +4747,14 @@
         </p:nvSpPr>
         <p:spPr>
           <a:xfrm rot="20767841">
-            <a:off x="3826715" y="3418522"/>
-            <a:ext cx="3874360" cy="664715"/>
+            <a:off x="4053852" y="3394863"/>
+            <a:ext cx="4000993" cy="664715"/>
           </a:xfrm>
           <a:prstGeom prst="rightArrow">
-            <a:avLst/>
+            <a:avLst>
+              <a:gd name="adj1" fmla="val 50000"/>
+              <a:gd name="adj2" fmla="val 82992"/>
+            </a:avLst>
           </a:prstGeom>
         </p:spPr>
         <p:style>
@@ -4756,11 +4811,14 @@
         </p:nvSpPr>
         <p:spPr>
           <a:xfrm>
-            <a:off x="3881637" y="4336701"/>
+            <a:off x="4152392" y="4336701"/>
             <a:ext cx="3814363" cy="664715"/>
           </a:xfrm>
           <a:prstGeom prst="rightArrow">
-            <a:avLst/>
+            <a:avLst>
+              <a:gd name="adj1" fmla="val 50000"/>
+              <a:gd name="adj2" fmla="val 89893"/>
+            </a:avLst>
           </a:prstGeom>
         </p:spPr>
         <p:style>
@@ -4817,7 +4875,7 @@
         </p:nvSpPr>
         <p:spPr>
           <a:xfrm rot="677181">
-            <a:off x="3901362" y="5337888"/>
+            <a:off x="4148213" y="5415431"/>
             <a:ext cx="3408758" cy="369332"/>
           </a:xfrm>
           <a:prstGeom prst="rect">
@@ -5245,6 +5303,52 @@
           </a:p>
         </p:txBody>
       </p:sp>
+      <p:cxnSp>
+        <p:nvCxnSpPr>
+          <p:cNvPr id="16" name="Connecteur droit avec flèche 15">
+            <a:extLst>
+              <a:ext uri="{FF2B5EF4-FFF2-40B4-BE49-F238E27FC236}">
+                <a16:creationId xmlns:a16="http://schemas.microsoft.com/office/drawing/2014/main" id="{EF1A8907-A458-48EE-A1CC-5366B830764D}"/>
+              </a:ext>
+            </a:extLst>
+          </p:cNvPr>
+          <p:cNvCxnSpPr>
+            <a:cxnSpLocks/>
+            <a:stCxn id="5" idx="3"/>
+            <a:endCxn id="11" idx="3"/>
+          </p:cNvCxnSpPr>
+          <p:nvPr/>
+        </p:nvCxnSpPr>
+        <p:spPr>
+          <a:xfrm flipV="1">
+            <a:off x="1695763" y="4779909"/>
+            <a:ext cx="660842" cy="8071"/>
+          </a:xfrm>
+          <a:prstGeom prst="straightConnector1">
+            <a:avLst/>
+          </a:prstGeom>
+          <a:ln w="76200">
+            <a:solidFill>
+              <a:srgbClr val="00B0F0"/>
+            </a:solidFill>
+            <a:tailEnd type="triangle"/>
+          </a:ln>
+        </p:spPr>
+        <p:style>
+          <a:lnRef idx="1">
+            <a:schemeClr val="accent1"/>
+          </a:lnRef>
+          <a:fillRef idx="0">
+            <a:schemeClr val="accent1"/>
+          </a:fillRef>
+          <a:effectRef idx="0">
+            <a:schemeClr val="accent1"/>
+          </a:effectRef>
+          <a:fontRef idx="minor">
+            <a:schemeClr val="tx1"/>
+          </a:fontRef>
+        </p:style>
+      </p:cxnSp>
     </p:spTree>
     <p:extLst>
       <p:ext uri="{BB962C8B-B14F-4D97-AF65-F5344CB8AC3E}">
@@ -5554,7 +5658,7 @@
         </p:nvSpPr>
         <p:spPr>
           <a:xfrm>
-            <a:off x="7714928" y="2829548"/>
+            <a:off x="7925240" y="2829548"/>
             <a:ext cx="399783" cy="1132114"/>
           </a:xfrm>
           <a:prstGeom prst="roundRect">
@@ -5608,7 +5712,7 @@
         </p:nvSpPr>
         <p:spPr>
           <a:xfrm>
-            <a:off x="7696000" y="5318708"/>
+            <a:off x="7970320" y="5318708"/>
             <a:ext cx="399783" cy="1132114"/>
           </a:xfrm>
           <a:prstGeom prst="roundRect">
@@ -5663,7 +5767,7 @@
         </p:nvSpPr>
         <p:spPr>
           <a:xfrm>
-            <a:off x="7696000" y="4074128"/>
+            <a:off x="7933744" y="4074128"/>
             <a:ext cx="399783" cy="1132114"/>
           </a:xfrm>
           <a:prstGeom prst="roundRect">
@@ -5717,7 +5821,7 @@
         </p:nvSpPr>
         <p:spPr>
           <a:xfrm>
-            <a:off x="2066012" y="4103003"/>
+            <a:off x="2495780" y="4103003"/>
             <a:ext cx="1675902" cy="1132113"/>
           </a:xfrm>
           <a:prstGeom prst="hexagon">
@@ -5784,8 +5888,8 @@
         </p:blipFill>
         <p:spPr>
           <a:xfrm>
-            <a:off x="569629" y="4216214"/>
-            <a:ext cx="1297040" cy="905692"/>
+            <a:off x="566407" y="4297680"/>
+            <a:ext cx="1062517" cy="741930"/>
           </a:xfrm>
           <a:prstGeom prst="rect">
             <a:avLst/>
@@ -5806,11 +5910,14 @@
         </p:nvSpPr>
         <p:spPr>
           <a:xfrm rot="20767841">
-            <a:off x="3826715" y="3418522"/>
+            <a:off x="4027883" y="3418522"/>
             <a:ext cx="3874360" cy="664715"/>
           </a:xfrm>
           <a:prstGeom prst="rightArrow">
-            <a:avLst/>
+            <a:avLst>
+              <a:gd name="adj1" fmla="val 50000"/>
+              <a:gd name="adj2" fmla="val 120040"/>
+            </a:avLst>
           </a:prstGeom>
         </p:spPr>
         <p:style>
@@ -5859,7 +5966,7 @@
         </p:nvSpPr>
         <p:spPr>
           <a:xfrm rot="677181">
-            <a:off x="3901362" y="5337888"/>
+            <a:off x="4203114" y="5337888"/>
             <a:ext cx="3408758" cy="369332"/>
           </a:xfrm>
           <a:prstGeom prst="rect">
@@ -6232,7 +6339,7 @@
         </p:nvSpPr>
         <p:spPr>
           <a:xfrm>
-            <a:off x="4014034" y="4484393"/>
+            <a:off x="4196914" y="4484393"/>
             <a:ext cx="3408758" cy="369332"/>
           </a:xfrm>
           <a:prstGeom prst="rect">
@@ -6257,6 +6364,52 @@
           </a:p>
         </p:txBody>
       </p:sp>
+      <p:cxnSp>
+        <p:nvCxnSpPr>
+          <p:cNvPr id="15" name="Connecteur droit avec flèche 14">
+            <a:extLst>
+              <a:ext uri="{FF2B5EF4-FFF2-40B4-BE49-F238E27FC236}">
+                <a16:creationId xmlns:a16="http://schemas.microsoft.com/office/drawing/2014/main" id="{93547A6C-F72B-4773-98B8-FA2E4441C8C9}"/>
+              </a:ext>
+            </a:extLst>
+          </p:cNvPr>
+          <p:cNvCxnSpPr>
+            <a:cxnSpLocks/>
+            <a:stCxn id="5" idx="3"/>
+            <a:endCxn id="11" idx="3"/>
+          </p:cNvCxnSpPr>
+          <p:nvPr/>
+        </p:nvCxnSpPr>
+        <p:spPr>
+          <a:xfrm>
+            <a:off x="1628924" y="4668645"/>
+            <a:ext cx="866856" cy="415"/>
+          </a:xfrm>
+          <a:prstGeom prst="straightConnector1">
+            <a:avLst/>
+          </a:prstGeom>
+          <a:ln w="76200">
+            <a:solidFill>
+              <a:srgbClr val="00B0F0"/>
+            </a:solidFill>
+            <a:tailEnd type="triangle"/>
+          </a:ln>
+        </p:spPr>
+        <p:style>
+          <a:lnRef idx="1">
+            <a:schemeClr val="accent1"/>
+          </a:lnRef>
+          <a:fillRef idx="0">
+            <a:schemeClr val="accent1"/>
+          </a:fillRef>
+          <a:effectRef idx="0">
+            <a:schemeClr val="accent1"/>
+          </a:effectRef>
+          <a:fontRef idx="minor">
+            <a:schemeClr val="tx1"/>
+          </a:fontRef>
+        </p:style>
+      </p:cxnSp>
     </p:spTree>
     <p:extLst>
       <p:ext uri="{BB962C8B-B14F-4D97-AF65-F5344CB8AC3E}">
@@ -6582,7 +6735,7 @@
         </p:nvSpPr>
         <p:spPr>
           <a:xfrm>
-            <a:off x="5652868" y="4074128"/>
+            <a:off x="5753452" y="4074128"/>
             <a:ext cx="399783" cy="1132114"/>
           </a:xfrm>
           <a:prstGeom prst="roundRect">
@@ -6636,7 +6789,7 @@
         </p:nvSpPr>
         <p:spPr>
           <a:xfrm>
-            <a:off x="1779193" y="4093309"/>
+            <a:off x="1870633" y="4093309"/>
             <a:ext cx="1832169" cy="1132113"/>
           </a:xfrm>
           <a:prstGeom prst="hexagon">
@@ -6711,8 +6864,8 @@
         </p:blipFill>
         <p:spPr>
           <a:xfrm>
-            <a:off x="360625" y="4216214"/>
-            <a:ext cx="1297040" cy="905692"/>
+            <a:off x="319315" y="4293830"/>
+            <a:ext cx="1070595" cy="747571"/>
           </a:xfrm>
           <a:prstGeom prst="rect">
             <a:avLst/>
@@ -6733,8 +6886,8 @@
         </p:nvSpPr>
         <p:spPr>
           <a:xfrm>
-            <a:off x="3668914" y="4307827"/>
-            <a:ext cx="1944685" cy="664715"/>
+            <a:off x="3751216" y="4307827"/>
+            <a:ext cx="1962968" cy="664715"/>
           </a:xfrm>
           <a:prstGeom prst="rightArrow">
             <a:avLst/>
@@ -6784,8 +6937,8 @@
         </p:nvSpPr>
         <p:spPr>
           <a:xfrm>
-            <a:off x="252548" y="5337888"/>
-            <a:ext cx="2274725" cy="369332"/>
+            <a:off x="319315" y="5048339"/>
+            <a:ext cx="1137362" cy="523220"/>
           </a:xfrm>
           <a:prstGeom prst="rect">
             <a:avLst/>
@@ -6808,14 +6961,22 @@
           </a:fontRef>
         </p:style>
         <p:txBody>
-          <a:bodyPr wrap="none">
+          <a:bodyPr wrap="square">
             <a:spAutoFit/>
           </a:bodyPr>
           <a:lstStyle/>
           <a:p>
-            <a:r>
-              <a:rPr lang="fr-FR" dirty="0"/>
-              <a:t>Headers: x-delay:1000</a:t>
+            <a:pPr algn="ctr"/>
+            <a:r>
+              <a:rPr lang="fr-FR" sz="1400" dirty="0"/>
+              <a:t>Headers: </a:t>
+            </a:r>
+          </a:p>
+          <a:p>
+            <a:pPr algn="ctr"/>
+            <a:r>
+              <a:rPr lang="fr-FR" sz="1400" dirty="0"/>
+              <a:t>x-delay:1000</a:t>
             </a:r>
           </a:p>
         </p:txBody>
@@ -7137,8 +7298,8 @@
         </p:nvSpPr>
         <p:spPr>
           <a:xfrm>
-            <a:off x="7205922" y="4023114"/>
-            <a:ext cx="1776469" cy="1202308"/>
+            <a:off x="7364807" y="4023114"/>
+            <a:ext cx="1617584" cy="1202308"/>
           </a:xfrm>
           <a:prstGeom prst="rect">
             <a:avLst/>
@@ -7190,8 +7351,8 @@
         </p:nvSpPr>
         <p:spPr>
           <a:xfrm>
-            <a:off x="6091920" y="4291910"/>
-            <a:ext cx="1138821" cy="664715"/>
+            <a:off x="6174216" y="4291910"/>
+            <a:ext cx="1138822" cy="664715"/>
           </a:xfrm>
           <a:prstGeom prst="rightArrow">
             <a:avLst/>
@@ -7223,6 +7384,52 @@
           </a:p>
         </p:txBody>
       </p:sp>
+      <p:cxnSp>
+        <p:nvCxnSpPr>
+          <p:cNvPr id="12" name="Connecteur droit avec flèche 11">
+            <a:extLst>
+              <a:ext uri="{FF2B5EF4-FFF2-40B4-BE49-F238E27FC236}">
+                <a16:creationId xmlns:a16="http://schemas.microsoft.com/office/drawing/2014/main" id="{8E8B7851-6536-4288-8E32-51A28918ABBB}"/>
+              </a:ext>
+            </a:extLst>
+          </p:cNvPr>
+          <p:cNvCxnSpPr>
+            <a:cxnSpLocks/>
+            <a:stCxn id="5" idx="3"/>
+            <a:endCxn id="11" idx="3"/>
+          </p:cNvCxnSpPr>
+          <p:nvPr/>
+        </p:nvCxnSpPr>
+        <p:spPr>
+          <a:xfrm flipV="1">
+            <a:off x="1389910" y="4659366"/>
+            <a:ext cx="480723" cy="8250"/>
+          </a:xfrm>
+          <a:prstGeom prst="straightConnector1">
+            <a:avLst/>
+          </a:prstGeom>
+          <a:ln w="76200">
+            <a:solidFill>
+              <a:srgbClr val="00B0F0"/>
+            </a:solidFill>
+            <a:tailEnd type="triangle"/>
+          </a:ln>
+        </p:spPr>
+        <p:style>
+          <a:lnRef idx="1">
+            <a:schemeClr val="accent1"/>
+          </a:lnRef>
+          <a:fillRef idx="0">
+            <a:schemeClr val="accent1"/>
+          </a:fillRef>
+          <a:effectRef idx="0">
+            <a:schemeClr val="accent1"/>
+          </a:effectRef>
+          <a:fontRef idx="minor">
+            <a:schemeClr val="tx1"/>
+          </a:fontRef>
+        </p:style>
+      </p:cxnSp>
     </p:spTree>
     <p:extLst>
       <p:ext uri="{BB962C8B-B14F-4D97-AF65-F5344CB8AC3E}">
@@ -10551,7 +10758,7 @@
         </p:style>
         <p:txBody>
           <a:bodyPr vert="horz" lIns="91440" tIns="45720" rIns="91440" bIns="45720" rtlCol="0">
-            <a:normAutofit/>
+            <a:normAutofit fontScale="92500" lnSpcReduction="10000"/>
           </a:bodyPr>
           <a:lstStyle>
             <a:lvl1pPr marL="0" indent="0" algn="ctr" defTabSz="914400" rtl="0" eaLnBrk="1" latinLnBrk="0" hangingPunct="1">
@@ -10817,56 +11024,68 @@
               <a:rPr lang="fr-FR" sz="2000" dirty="0">
                 <a:sym typeface="Wingdings" panose="05000000000000000000" pitchFamily="2" charset="2"/>
               </a:rPr>
-              <a:t>Et ouvrir l’invit du commande et </a:t>
+              <a:t>Exécuter ces 2 commandes(en tant qu’admin)</a:t>
+            </a:r>
+          </a:p>
+          <a:p>
+            <a:pPr algn="l"/>
+            <a:r>
+              <a:rPr lang="fr-FR" sz="2000" dirty="0">
+                <a:sym typeface="Wingdings" panose="05000000000000000000" pitchFamily="2" charset="2"/>
+              </a:rPr>
+              <a:t> - </a:t>
+            </a:r>
+            <a:r>
+              <a:rPr lang="fr-FR" sz="2000" b="1" dirty="0" err="1">
+                <a:sym typeface="Wingdings" panose="05000000000000000000" pitchFamily="2" charset="2"/>
+              </a:rPr>
+              <a:t>rabbitmq</a:t>
+            </a:r>
+            <a:r>
+              <a:rPr lang="fr-FR" sz="2000" b="1" dirty="0">
+                <a:sym typeface="Wingdings" panose="05000000000000000000" pitchFamily="2" charset="2"/>
+              </a:rPr>
+              <a:t>-plugins enable </a:t>
+            </a:r>
+            <a:r>
+              <a:rPr lang="fr-FR" sz="2000" b="1" dirty="0" err="1">
+                <a:sym typeface="Wingdings" panose="05000000000000000000" pitchFamily="2" charset="2"/>
+              </a:rPr>
+              <a:t>rabbitmq_management</a:t>
+            </a:r>
+            <a:r>
+              <a:rPr lang="fr-FR" sz="2000" b="1" dirty="0">
+                <a:sym typeface="Wingdings" panose="05000000000000000000" pitchFamily="2" charset="2"/>
+              </a:rPr>
+              <a:t> --offline</a:t>
+            </a:r>
+          </a:p>
+          <a:p>
+            <a:pPr algn="l"/>
+            <a:r>
+              <a:rPr lang="fr-FR" sz="2000" b="1" i="1" dirty="0">
+                <a:sym typeface="Wingdings" panose="05000000000000000000" pitchFamily="2" charset="2"/>
+              </a:rPr>
+              <a:t> - rabbitmq-server.bat start</a:t>
+            </a:r>
+          </a:p>
+          <a:p>
+            <a:pPr algn="l"/>
+            <a:r>
+              <a:rPr lang="fr-FR" sz="2000" dirty="0">
+                <a:sym typeface="Wingdings" panose="05000000000000000000" pitchFamily="2" charset="2"/>
+              </a:rPr>
+              <a:t>La première pour accéder depuis votre navigateur et l’autre pour démarrer </a:t>
             </a:r>
             <a:r>
               <a:rPr lang="fr-FR" sz="2000" dirty="0" err="1">
                 <a:sym typeface="Wingdings" panose="05000000000000000000" pitchFamily="2" charset="2"/>
               </a:rPr>
-              <a:t>executer</a:t>
-            </a:r>
-            <a:r>
-              <a:rPr lang="fr-FR" sz="2000" dirty="0">
-                <a:sym typeface="Wingdings" panose="05000000000000000000" pitchFamily="2" charset="2"/>
-              </a:rPr>
-              <a:t> :=&gt; </a:t>
-            </a:r>
-            <a:r>
-              <a:rPr lang="fr-FR" sz="2000" b="1" i="1" dirty="0">
-                <a:sym typeface="Wingdings" panose="05000000000000000000" pitchFamily="2" charset="2"/>
-              </a:rPr>
-              <a:t>rabbitmq-server.bat start </a:t>
-            </a:r>
-            <a:r>
-              <a:rPr lang="fr-FR" sz="2000" b="1" dirty="0">
-                <a:sym typeface="Wingdings" panose="05000000000000000000" pitchFamily="2" charset="2"/>
-              </a:rPr>
-              <a:t>afin de démarrer </a:t>
-            </a:r>
-            <a:r>
-              <a:rPr lang="fr-FR" sz="2000" b="1" dirty="0" err="1">
-                <a:sym typeface="Wingdings" panose="05000000000000000000" pitchFamily="2" charset="2"/>
-              </a:rPr>
-              <a:t>rabbit</a:t>
-            </a:r>
-            <a:r>
-              <a:rPr lang="fr-FR" sz="2000" b="1" dirty="0">
-                <a:sym typeface="Wingdings" panose="05000000000000000000" pitchFamily="2" charset="2"/>
-              </a:rPr>
-              <a:t>-</a:t>
-            </a:r>
-            <a:r>
-              <a:rPr lang="fr-FR" sz="2000" b="1" dirty="0" err="1">
-                <a:sym typeface="Wingdings" panose="05000000000000000000" pitchFamily="2" charset="2"/>
-              </a:rPr>
-              <a:t>mq</a:t>
-            </a:r>
-            <a:r>
-              <a:rPr lang="fr-FR" sz="2000" b="1" dirty="0">
-                <a:sym typeface="Wingdings" panose="05000000000000000000" pitchFamily="2" charset="2"/>
-              </a:rPr>
-              <a:t>-server</a:t>
-            </a:r>
+              <a:t>rabbit-srv</a:t>
+            </a:r>
+            <a:endParaRPr lang="fr-FR" sz="2000" dirty="0">
+              <a:sym typeface="Wingdings" panose="05000000000000000000" pitchFamily="2" charset="2"/>
+            </a:endParaRPr>
           </a:p>
           <a:p>
             <a:pPr algn="l"/>
@@ -11145,7 +11364,7 @@
         <p:spPr>
           <a:xfrm>
             <a:off x="104502" y="287792"/>
-            <a:ext cx="8760823" cy="1480048"/>
+            <a:ext cx="8760823" cy="2171944"/>
           </a:xfrm>
           <a:prstGeom prst="rect">
             <a:avLst/>
@@ -11337,7 +11556,7 @@
             <a:pPr algn="l"/>
             <a:r>
               <a:rPr lang="fr-FR" dirty="0"/>
-              <a:t>2 – l’installation avec l’image docker ou docker compose :</a:t>
+              <a:t>2 – l’installation avec l’image docker ou docker compose et autres :</a:t>
             </a:r>
           </a:p>
           <a:p>
@@ -11373,6 +11592,105 @@
             <a:endParaRPr lang="fr-FR" sz="2000" dirty="0">
               <a:sym typeface="Wingdings" panose="05000000000000000000" pitchFamily="2" charset="2"/>
             </a:endParaRPr>
+          </a:p>
+          <a:p>
+            <a:pPr algn="l"/>
+            <a:r>
+              <a:rPr lang="fr-FR" sz="2000" dirty="0">
+                <a:sym typeface="Wingdings" panose="05000000000000000000" pitchFamily="2" charset="2"/>
+              </a:rPr>
+              <a:t>Vous restez sur la branche master, pour avoir le même code, sinon il y a des évolutions sur les autres branches .</a:t>
+            </a:r>
+          </a:p>
+        </p:txBody>
+      </p:sp>
+      <p:sp>
+        <p:nvSpPr>
+          <p:cNvPr id="2" name="Émoticône 1">
+            <a:extLst>
+              <a:ext uri="{FF2B5EF4-FFF2-40B4-BE49-F238E27FC236}">
+                <a16:creationId xmlns:a16="http://schemas.microsoft.com/office/drawing/2014/main" id="{12B163A1-6A2A-4110-84F5-EAD375CC198A}"/>
+              </a:ext>
+            </a:extLst>
+          </p:cNvPr>
+          <p:cNvSpPr/>
+          <p:nvPr/>
+        </p:nvSpPr>
+        <p:spPr>
+          <a:xfrm>
+            <a:off x="7525512" y="1088136"/>
+            <a:ext cx="45719" cy="45719"/>
+          </a:xfrm>
+          <a:prstGeom prst="smileyFace">
+            <a:avLst/>
+          </a:prstGeom>
+        </p:spPr>
+        <p:style>
+          <a:lnRef idx="2">
+            <a:schemeClr val="accent1">
+              <a:shade val="50000"/>
+            </a:schemeClr>
+          </a:lnRef>
+          <a:fillRef idx="1">
+            <a:schemeClr val="accent1"/>
+          </a:fillRef>
+          <a:effectRef idx="0">
+            <a:schemeClr val="accent1"/>
+          </a:effectRef>
+          <a:fontRef idx="minor">
+            <a:schemeClr val="lt1"/>
+          </a:fontRef>
+        </p:style>
+        <p:txBody>
+          <a:bodyPr rtlCol="0" anchor="ctr"/>
+          <a:lstStyle/>
+          <a:p>
+            <a:pPr algn="ctr"/>
+            <a:endParaRPr lang="fr-FR"/>
+          </a:p>
+        </p:txBody>
+      </p:sp>
+      <p:sp>
+        <p:nvSpPr>
+          <p:cNvPr id="3" name="Émoticône 2">
+            <a:extLst>
+              <a:ext uri="{FF2B5EF4-FFF2-40B4-BE49-F238E27FC236}">
+                <a16:creationId xmlns:a16="http://schemas.microsoft.com/office/drawing/2014/main" id="{E337779A-0E10-449A-AE6F-9467F0057073}"/>
+              </a:ext>
+            </a:extLst>
+          </p:cNvPr>
+          <p:cNvSpPr/>
+          <p:nvPr/>
+        </p:nvSpPr>
+        <p:spPr>
+          <a:xfrm>
+            <a:off x="3849624" y="1834622"/>
+            <a:ext cx="502920" cy="488579"/>
+          </a:xfrm>
+          <a:prstGeom prst="smileyFace">
+            <a:avLst/>
+          </a:prstGeom>
+        </p:spPr>
+        <p:style>
+          <a:lnRef idx="3">
+            <a:schemeClr val="lt1"/>
+          </a:lnRef>
+          <a:fillRef idx="1">
+            <a:schemeClr val="accent6"/>
+          </a:fillRef>
+          <a:effectRef idx="1">
+            <a:schemeClr val="accent6"/>
+          </a:effectRef>
+          <a:fontRef idx="minor">
+            <a:schemeClr val="lt1"/>
+          </a:fontRef>
+        </p:style>
+        <p:txBody>
+          <a:bodyPr rtlCol="0" anchor="ctr"/>
+          <a:lstStyle/>
+          <a:p>
+            <a:pPr algn="ctr"/>
+            <a:endParaRPr lang="fr-FR"/>
           </a:p>
         </p:txBody>
       </p:sp>
@@ -11619,8 +11937,8 @@
         </p:nvSpPr>
         <p:spPr>
           <a:xfrm>
-            <a:off x="165465" y="287791"/>
-            <a:ext cx="8760823" cy="1541009"/>
+            <a:off x="165465" y="164593"/>
+            <a:ext cx="8695507" cy="1664208"/>
           </a:xfrm>
           <a:prstGeom prst="rect">
             <a:avLst/>
@@ -11641,8 +11959,8 @@
           </a:fontRef>
         </p:style>
         <p:txBody>
-          <a:bodyPr vert="horz" lIns="91440" tIns="45720" rIns="91440" bIns="45720" rtlCol="0">
-            <a:normAutofit lnSpcReduction="10000"/>
+          <a:bodyPr vert="horz" lIns="91440" tIns="45720" rIns="91440" bIns="45720" rtlCol="0" anchor="ctr">
+            <a:normAutofit/>
           </a:bodyPr>
           <a:lstStyle>
             <a:lvl1pPr marL="0" indent="0" algn="ctr" defTabSz="914400" rtl="0" eaLnBrk="1" latinLnBrk="0" hangingPunct="1">
@@ -11809,30 +12127,22 @@
             </a:lvl9pPr>
           </a:lstStyle>
           <a:p>
-            <a:pPr algn="l"/>
-            <a:r>
-              <a:rPr lang="fr-FR" dirty="0"/>
-              <a:t>La création d’un projet </a:t>
-            </a:r>
-            <a:r>
-              <a:rPr lang="fr-FR" dirty="0" err="1"/>
-              <a:t>maven</a:t>
-            </a:r>
-            <a:r>
-              <a:rPr lang="fr-FR" dirty="0"/>
-              <a:t> avec </a:t>
-            </a:r>
-            <a:r>
-              <a:rPr lang="fr-FR" dirty="0" err="1"/>
-              <a:t>spring</a:t>
-            </a:r>
-            <a:r>
-              <a:rPr lang="fr-FR" dirty="0"/>
-              <a:t> boot</a:t>
+            <a:pPr algn="l">
+              <a:spcBef>
+                <a:spcPts val="600"/>
+              </a:spcBef>
+            </a:pPr>
+            <a:r>
+              <a:rPr lang="fr-FR" b="1" i="1" u="sng" dirty="0"/>
+              <a:t>La création d’un projet Maven avec Spring boot</a:t>
             </a:r>
           </a:p>
           <a:p>
-            <a:pPr algn="l"/>
+            <a:pPr algn="l">
+              <a:spcBef>
+                <a:spcPts val="600"/>
+              </a:spcBef>
+            </a:pPr>
             <a:r>
               <a:rPr lang="fr-FR" sz="2000" dirty="0">
                 <a:sym typeface="Wingdings" panose="05000000000000000000" pitchFamily="2" charset="2"/>
@@ -11841,7 +12151,11 @@
             </a:r>
           </a:p>
           <a:p>
-            <a:pPr algn="l"/>
+            <a:pPr algn="l">
+              <a:spcBef>
+                <a:spcPts val="600"/>
+              </a:spcBef>
+            </a:pPr>
             <a:r>
               <a:rPr lang="fr-FR" sz="2000" dirty="0">
                 <a:sym typeface="Wingdings" panose="05000000000000000000" pitchFamily="2" charset="2"/>
@@ -11871,7 +12185,11 @@
             </a:endParaRPr>
           </a:p>
           <a:p>
-            <a:pPr algn="l"/>
+            <a:pPr algn="l">
+              <a:spcBef>
+                <a:spcPts val="600"/>
+              </a:spcBef>
+            </a:pPr>
             <a:r>
               <a:rPr lang="fr-FR" sz="2000" dirty="0">
                 <a:sym typeface="Wingdings" panose="05000000000000000000" pitchFamily="2" charset="2"/>
@@ -27993,7 +28311,7 @@
               <a:rPr lang="fr-FR" sz="2000" b="1" dirty="0">
                 <a:sym typeface="Wingdings" panose="05000000000000000000" pitchFamily="2" charset="2"/>
               </a:rPr>
-              <a:t> est très utile si vous travaillez dans une architecture distribuée (micro-service), cela vous aidera à activera ce qu’on appel file d’attente.</a:t>
+              <a:t> est très utile si vous travaillez dans une architecture distribuée (micro-service), cela vous aidera à activera la communication asynchrone.</a:t>
             </a:r>
             <a:endParaRPr lang="ar-SA" sz="2000" b="1" dirty="0">
               <a:sym typeface="Wingdings" panose="05000000000000000000" pitchFamily="2" charset="2"/>
@@ -30438,8 +30756,8 @@
         </p:nvSpPr>
         <p:spPr>
           <a:xfrm>
-            <a:off x="161108" y="1140823"/>
-            <a:ext cx="8821784" cy="4972594"/>
+            <a:off x="161108" y="1140822"/>
+            <a:ext cx="8821784" cy="5232545"/>
           </a:xfrm>
           <a:prstGeom prst="rect">
             <a:avLst/>
@@ -30692,7 +31010,23 @@
             <a:pPr algn="l"/>
             <a:r>
               <a:rPr lang="fr-FR" dirty="0"/>
-              <a:t>Des bibliothèques existent pour énormément de langages de programmation différents, ce qui permet de faire communiquer facilement des applicatifs utilisant des technologies très différentes.</a:t>
+              <a:t>Des bibliothèques existent pour énormément de langages de programmation différents (Java, </a:t>
+            </a:r>
+            <a:r>
+              <a:rPr lang="fr-FR" dirty="0" err="1"/>
+              <a:t>php</a:t>
+            </a:r>
+            <a:r>
+              <a:rPr lang="fr-FR" dirty="0"/>
+              <a:t>, Spring </a:t>
+            </a:r>
+            <a:r>
+              <a:rPr lang="fr-FR" dirty="0" err="1"/>
+              <a:t>amq</a:t>
+            </a:r>
+            <a:r>
+              <a:rPr lang="fr-FR" dirty="0"/>
+              <a:t> …), ce qui permet de faire communiquer facilement des applicatifs utilisant des technologies très différentes.</a:t>
             </a:r>
           </a:p>
         </p:txBody>
@@ -31033,7 +31367,7 @@
         </p:style>
         <p:txBody>
           <a:bodyPr vert="horz" lIns="91440" tIns="45720" rIns="91440" bIns="45720" rtlCol="0" anchor="ctr">
-            <a:normAutofit lnSpcReduction="10000"/>
+            <a:normAutofit fontScale="92500" lnSpcReduction="20000"/>
           </a:bodyPr>
           <a:lstStyle>
             <a:lvl1pPr marL="0" indent="0" algn="ctr" defTabSz="914400" rtl="0" eaLnBrk="1" latinLnBrk="0" hangingPunct="1">
@@ -31200,14 +31534,18 @@
             </a:lvl9pPr>
           </a:lstStyle>
           <a:p>
-            <a:pPr algn="l"/>
+            <a:pPr algn="l">
+              <a:lnSpc>
+                <a:spcPct val="120000"/>
+              </a:lnSpc>
+            </a:pPr>
             <a:r>
               <a:rPr lang="fr-FR" b="1" u="sng" dirty="0"/>
               <a:t>Message</a:t>
             </a:r>
             <a:r>
               <a:rPr lang="fr-FR" dirty="0"/>
-              <a:t> : Tout simplement c’est une requête HTTP, qui contient des attributs ainsi qu’un </a:t>
+              <a:t> : Tout simplement c’est comme une requête  HTTP mais là on parle du protocole AMQP, qui contient des attributs ainsi qu’un </a:t>
             </a:r>
             <a:r>
               <a:rPr lang="fr-FR" dirty="0" err="1"/>
@@ -31222,7 +31560,7 @@
             <a:pPr algn="l"/>
             <a:r>
               <a:rPr lang="fr-FR" dirty="0"/>
-              <a:t>Saut que parmi les attributs du </a:t>
+              <a:t>Sauf que parmi les attributs du </a:t>
             </a:r>
             <a:r>
               <a:rPr lang="fr-FR" dirty="0" err="1"/>
@@ -31243,125 +31581,139 @@
           </a:p>
           <a:p>
             <a:pPr algn="l"/>
+            <a:r>
+              <a:rPr lang="fr-FR" dirty="0"/>
+              <a:t>En plus AMQP plus rapide en terme de transfert des données que http (4 fois),</a:t>
+            </a:r>
+          </a:p>
+          <a:p>
+            <a:pPr algn="l"/>
+            <a:r>
+              <a:rPr lang="fr-FR" dirty="0"/>
+              <a:t>Ainsi AMQP est asynchrone et http synchrone.</a:t>
+            </a:r>
+          </a:p>
+          <a:p>
+            <a:pPr algn="l"/>
+            <a:endParaRPr lang="fr-FR" sz="1800" dirty="0"/>
+          </a:p>
+          <a:p>
+            <a:pPr algn="l"/>
+            <a:r>
+              <a:rPr lang="fr-FR" dirty="0"/>
+              <a:t>Liste des </a:t>
+            </a:r>
+            <a:r>
+              <a:rPr lang="fr-FR" dirty="0" err="1"/>
+              <a:t>properties</a:t>
+            </a:r>
+            <a:r>
+              <a:rPr lang="fr-FR" dirty="0"/>
+              <a:t> du </a:t>
+            </a:r>
+            <a:r>
+              <a:rPr lang="fr-FR" dirty="0" err="1"/>
+              <a:t>protocol</a:t>
+            </a:r>
+            <a:r>
+              <a:rPr lang="fr-FR" dirty="0"/>
+              <a:t> :</a:t>
+            </a:r>
+          </a:p>
+          <a:p>
+            <a:pPr algn="l"/>
+            <a:r>
+              <a:rPr lang="fr-FR" dirty="0" err="1"/>
+              <a:t>content_type</a:t>
+            </a:r>
+            <a:r>
+              <a:rPr lang="fr-FR" dirty="0"/>
+              <a:t>, </a:t>
+            </a:r>
+            <a:r>
+              <a:rPr lang="fr-FR" dirty="0" err="1"/>
+              <a:t>content_encoding</a:t>
+            </a:r>
+            <a:r>
+              <a:rPr lang="fr-FR" dirty="0"/>
+              <a:t>, </a:t>
+            </a:r>
+            <a:r>
+              <a:rPr lang="fr-FR" dirty="0" err="1"/>
+              <a:t>priority</a:t>
+            </a:r>
+            <a:r>
+              <a:rPr lang="fr-FR" dirty="0"/>
+              <a:t>, </a:t>
+            </a:r>
+            <a:r>
+              <a:rPr lang="fr-FR" dirty="0" err="1"/>
+              <a:t>correlation_id</a:t>
+            </a:r>
+            <a:r>
+              <a:rPr lang="fr-FR" dirty="0"/>
+              <a:t>, </a:t>
+            </a:r>
+            <a:r>
+              <a:rPr lang="fr-FR" dirty="0" err="1"/>
+              <a:t>reply_to</a:t>
+            </a:r>
+            <a:r>
+              <a:rPr lang="fr-FR" dirty="0"/>
+              <a:t>, expiration, </a:t>
+            </a:r>
+            <a:r>
+              <a:rPr lang="fr-FR" dirty="0" err="1"/>
+              <a:t>message_id</a:t>
+            </a:r>
+            <a:r>
+              <a:rPr lang="fr-FR" dirty="0"/>
+              <a:t>, timestamp, type, </a:t>
+            </a:r>
+            <a:r>
+              <a:rPr lang="fr-FR" dirty="0" err="1"/>
+              <a:t>user_id</a:t>
+            </a:r>
+            <a:r>
+              <a:rPr lang="fr-FR" dirty="0"/>
+              <a:t>, </a:t>
+            </a:r>
+            <a:r>
+              <a:rPr lang="fr-FR" dirty="0" err="1"/>
+              <a:t>app_id</a:t>
+            </a:r>
+            <a:r>
+              <a:rPr lang="fr-FR" dirty="0"/>
+              <a:t>, </a:t>
+            </a:r>
+            <a:r>
+              <a:rPr lang="fr-FR" dirty="0" err="1"/>
+              <a:t>cluster_id</a:t>
+            </a:r>
             <a:endParaRPr lang="fr-FR" dirty="0"/>
           </a:p>
           <a:p>
             <a:pPr algn="l"/>
-            <a:r>
-              <a:rPr lang="fr-FR" dirty="0"/>
-              <a:t>Liste des </a:t>
-            </a:r>
-            <a:r>
-              <a:rPr lang="fr-FR" dirty="0" err="1"/>
-              <a:t>properties</a:t>
-            </a:r>
-            <a:r>
-              <a:rPr lang="fr-FR" dirty="0"/>
-              <a:t> du </a:t>
-            </a:r>
-            <a:r>
-              <a:rPr lang="fr-FR" dirty="0" err="1"/>
-              <a:t>protocol</a:t>
-            </a:r>
-            <a:r>
-              <a:rPr lang="fr-FR" dirty="0"/>
-              <a:t> :</a:t>
-            </a:r>
+            <a:endParaRPr lang="fr-FR" sz="1800" dirty="0"/>
           </a:p>
           <a:p>
             <a:pPr algn="l"/>
             <a:r>
+              <a:rPr lang="fr-FR" dirty="0"/>
+              <a:t>Les headers seront disponibles dans </a:t>
+            </a:r>
+            <a:r>
               <a:rPr lang="fr-FR" dirty="0" err="1"/>
-              <a:t>content_type</a:t>
+              <a:t>attributes</a:t>
             </a:r>
             <a:r>
               <a:rPr lang="fr-FR" dirty="0"/>
-              <a:t>, </a:t>
-            </a:r>
-            <a:r>
-              <a:rPr lang="fr-FR" dirty="0" err="1"/>
-              <a:t>content_encoding</a:t>
-            </a:r>
-            <a:r>
-              <a:rPr lang="fr-FR" dirty="0"/>
-              <a:t>, </a:t>
-            </a:r>
-            <a:r>
-              <a:rPr lang="fr-FR" dirty="0" err="1"/>
-              <a:t>priority</a:t>
-            </a:r>
-            <a:r>
-              <a:rPr lang="fr-FR" dirty="0"/>
-              <a:t>, </a:t>
-            </a:r>
-            <a:r>
-              <a:rPr lang="fr-FR" dirty="0" err="1"/>
-              <a:t>correlation_id</a:t>
-            </a:r>
-            <a:r>
-              <a:rPr lang="fr-FR" dirty="0"/>
-              <a:t>, </a:t>
-            </a:r>
-            <a:r>
-              <a:rPr lang="fr-FR" dirty="0" err="1"/>
-              <a:t>reply_to</a:t>
-            </a:r>
-            <a:r>
-              <a:rPr lang="fr-FR" dirty="0"/>
-              <a:t>, expiration, </a:t>
-            </a:r>
-            <a:r>
-              <a:rPr lang="fr-FR" dirty="0" err="1"/>
-              <a:t>message_id</a:t>
-            </a:r>
-            <a:r>
-              <a:rPr lang="fr-FR" dirty="0"/>
-              <a:t>, timestamp, type, </a:t>
-            </a:r>
-            <a:r>
-              <a:rPr lang="fr-FR" dirty="0" err="1"/>
-              <a:t>user_id</a:t>
-            </a:r>
-            <a:r>
-              <a:rPr lang="fr-FR" dirty="0"/>
-              <a:t>, </a:t>
-            </a:r>
-            <a:r>
-              <a:rPr lang="fr-FR" dirty="0" err="1"/>
-              <a:t>app_id</a:t>
-            </a:r>
-            <a:r>
-              <a:rPr lang="fr-FR" dirty="0"/>
-              <a:t>, </a:t>
-            </a:r>
-            <a:r>
-              <a:rPr lang="fr-FR" dirty="0" err="1"/>
-              <a:t>cluster_id</a:t>
-            </a:r>
-            <a:endParaRPr lang="fr-FR" dirty="0"/>
+              <a:t>[headers].</a:t>
+            </a:r>
           </a:p>
           <a:p>
             <a:pPr algn="l"/>
-            <a:endParaRPr lang="fr-FR" dirty="0"/>
-          </a:p>
-          <a:p>
-            <a:pPr algn="l"/>
-            <a:r>
-              <a:rPr lang="fr-FR" dirty="0"/>
-              <a:t>Les headers seront disponibles dans </a:t>
-            </a:r>
-            <a:r>
-              <a:rPr lang="fr-FR" dirty="0" err="1"/>
-              <a:t>attributes</a:t>
-            </a:r>
-            <a:r>
-              <a:rPr lang="fr-FR" dirty="0"/>
-              <a:t>[headers].</a:t>
-            </a:r>
-          </a:p>
-          <a:p>
-            <a:pPr algn="l"/>
-            <a:endParaRPr lang="fr-FR" dirty="0"/>
+            <a:endParaRPr lang="fr-FR" sz="1800" dirty="0"/>
           </a:p>
           <a:p>
             <a:pPr algn="l"/>
@@ -32591,203 +32943,6 @@
       </p:sp>
       <p:sp>
         <p:nvSpPr>
-          <p:cNvPr id="6" name="Sous-titre 2">
-            <a:extLst>
-              <a:ext uri="{FF2B5EF4-FFF2-40B4-BE49-F238E27FC236}">
-                <a16:creationId xmlns:a16="http://schemas.microsoft.com/office/drawing/2014/main" id="{542C6EB4-FF9C-449C-96DA-2A70401101DA}"/>
-              </a:ext>
-            </a:extLst>
-          </p:cNvPr>
-          <p:cNvSpPr txBox="1">
-            <a:spLocks/>
-          </p:cNvSpPr>
-          <p:nvPr/>
-        </p:nvSpPr>
-        <p:spPr>
-          <a:xfrm>
-            <a:off x="-439783" y="1480459"/>
-            <a:ext cx="10302239" cy="4850673"/>
-          </a:xfrm>
-          <a:prstGeom prst="rect">
-            <a:avLst/>
-          </a:prstGeom>
-        </p:spPr>
-        <p:txBody>
-          <a:bodyPr vert="horz" lIns="91440" tIns="45720" rIns="91440" bIns="45720" rtlCol="0">
-            <a:normAutofit/>
-          </a:bodyPr>
-          <a:lstStyle>
-            <a:lvl1pPr marL="0" indent="0" algn="ctr" defTabSz="914400" rtl="0" eaLnBrk="1" latinLnBrk="0" hangingPunct="1">
-              <a:lnSpc>
-                <a:spcPct val="90000"/>
-              </a:lnSpc>
-              <a:spcBef>
-                <a:spcPts val="1000"/>
-              </a:spcBef>
-              <a:buFont typeface="Arial" panose="020B0604020202020204" pitchFamily="34" charset="0"/>
-              <a:buNone/>
-              <a:defRPr sz="2400" kern="1200">
-                <a:solidFill>
-                  <a:schemeClr val="tx1"/>
-                </a:solidFill>
-                <a:latin typeface="+mn-lt"/>
-                <a:ea typeface="+mn-ea"/>
-                <a:cs typeface="+mn-cs"/>
-              </a:defRPr>
-            </a:lvl1pPr>
-            <a:lvl2pPr marL="457200" indent="0" algn="ctr" defTabSz="914400" rtl="0" eaLnBrk="1" latinLnBrk="0" hangingPunct="1">
-              <a:lnSpc>
-                <a:spcPct val="90000"/>
-              </a:lnSpc>
-              <a:spcBef>
-                <a:spcPts val="500"/>
-              </a:spcBef>
-              <a:buFont typeface="Arial" panose="020B0604020202020204" pitchFamily="34" charset="0"/>
-              <a:buNone/>
-              <a:defRPr sz="2000" kern="1200">
-                <a:solidFill>
-                  <a:schemeClr val="tx1"/>
-                </a:solidFill>
-                <a:latin typeface="+mn-lt"/>
-                <a:ea typeface="+mn-ea"/>
-                <a:cs typeface="+mn-cs"/>
-              </a:defRPr>
-            </a:lvl2pPr>
-            <a:lvl3pPr marL="914400" indent="0" algn="ctr" defTabSz="914400" rtl="0" eaLnBrk="1" latinLnBrk="0" hangingPunct="1">
-              <a:lnSpc>
-                <a:spcPct val="90000"/>
-              </a:lnSpc>
-              <a:spcBef>
-                <a:spcPts val="500"/>
-              </a:spcBef>
-              <a:buFont typeface="Arial" panose="020B0604020202020204" pitchFamily="34" charset="0"/>
-              <a:buNone/>
-              <a:defRPr sz="1800" kern="1200">
-                <a:solidFill>
-                  <a:schemeClr val="tx1"/>
-                </a:solidFill>
-                <a:latin typeface="+mn-lt"/>
-                <a:ea typeface="+mn-ea"/>
-                <a:cs typeface="+mn-cs"/>
-              </a:defRPr>
-            </a:lvl3pPr>
-            <a:lvl4pPr marL="1371600" indent="0" algn="ctr" defTabSz="914400" rtl="0" eaLnBrk="1" latinLnBrk="0" hangingPunct="1">
-              <a:lnSpc>
-                <a:spcPct val="90000"/>
-              </a:lnSpc>
-              <a:spcBef>
-                <a:spcPts val="500"/>
-              </a:spcBef>
-              <a:buFont typeface="Arial" panose="020B0604020202020204" pitchFamily="34" charset="0"/>
-              <a:buNone/>
-              <a:defRPr sz="1600" kern="1200">
-                <a:solidFill>
-                  <a:schemeClr val="tx1"/>
-                </a:solidFill>
-                <a:latin typeface="+mn-lt"/>
-                <a:ea typeface="+mn-ea"/>
-                <a:cs typeface="+mn-cs"/>
-              </a:defRPr>
-            </a:lvl4pPr>
-            <a:lvl5pPr marL="1828800" indent="0" algn="ctr" defTabSz="914400" rtl="0" eaLnBrk="1" latinLnBrk="0" hangingPunct="1">
-              <a:lnSpc>
-                <a:spcPct val="90000"/>
-              </a:lnSpc>
-              <a:spcBef>
-                <a:spcPts val="500"/>
-              </a:spcBef>
-              <a:buFont typeface="Arial" panose="020B0604020202020204" pitchFamily="34" charset="0"/>
-              <a:buNone/>
-              <a:defRPr sz="1600" kern="1200">
-                <a:solidFill>
-                  <a:schemeClr val="tx1"/>
-                </a:solidFill>
-                <a:latin typeface="+mn-lt"/>
-                <a:ea typeface="+mn-ea"/>
-                <a:cs typeface="+mn-cs"/>
-              </a:defRPr>
-            </a:lvl5pPr>
-            <a:lvl6pPr marL="2286000" indent="0" algn="ctr" defTabSz="914400" rtl="0" eaLnBrk="1" latinLnBrk="0" hangingPunct="1">
-              <a:lnSpc>
-                <a:spcPct val="90000"/>
-              </a:lnSpc>
-              <a:spcBef>
-                <a:spcPts val="500"/>
-              </a:spcBef>
-              <a:buFont typeface="Arial" panose="020B0604020202020204" pitchFamily="34" charset="0"/>
-              <a:buNone/>
-              <a:defRPr sz="1600" kern="1200">
-                <a:solidFill>
-                  <a:schemeClr val="tx1"/>
-                </a:solidFill>
-                <a:latin typeface="+mn-lt"/>
-                <a:ea typeface="+mn-ea"/>
-                <a:cs typeface="+mn-cs"/>
-              </a:defRPr>
-            </a:lvl6pPr>
-            <a:lvl7pPr marL="2743200" indent="0" algn="ctr" defTabSz="914400" rtl="0" eaLnBrk="1" latinLnBrk="0" hangingPunct="1">
-              <a:lnSpc>
-                <a:spcPct val="90000"/>
-              </a:lnSpc>
-              <a:spcBef>
-                <a:spcPts val="500"/>
-              </a:spcBef>
-              <a:buFont typeface="Arial" panose="020B0604020202020204" pitchFamily="34" charset="0"/>
-              <a:buNone/>
-              <a:defRPr sz="1600" kern="1200">
-                <a:solidFill>
-                  <a:schemeClr val="tx1"/>
-                </a:solidFill>
-                <a:latin typeface="+mn-lt"/>
-                <a:ea typeface="+mn-ea"/>
-                <a:cs typeface="+mn-cs"/>
-              </a:defRPr>
-            </a:lvl7pPr>
-            <a:lvl8pPr marL="3200400" indent="0" algn="ctr" defTabSz="914400" rtl="0" eaLnBrk="1" latinLnBrk="0" hangingPunct="1">
-              <a:lnSpc>
-                <a:spcPct val="90000"/>
-              </a:lnSpc>
-              <a:spcBef>
-                <a:spcPts val="500"/>
-              </a:spcBef>
-              <a:buFont typeface="Arial" panose="020B0604020202020204" pitchFamily="34" charset="0"/>
-              <a:buNone/>
-              <a:defRPr sz="1600" kern="1200">
-                <a:solidFill>
-                  <a:schemeClr val="tx1"/>
-                </a:solidFill>
-                <a:latin typeface="+mn-lt"/>
-                <a:ea typeface="+mn-ea"/>
-                <a:cs typeface="+mn-cs"/>
-              </a:defRPr>
-            </a:lvl8pPr>
-            <a:lvl9pPr marL="3657600" indent="0" algn="ctr" defTabSz="914400" rtl="0" eaLnBrk="1" latinLnBrk="0" hangingPunct="1">
-              <a:lnSpc>
-                <a:spcPct val="90000"/>
-              </a:lnSpc>
-              <a:spcBef>
-                <a:spcPts val="500"/>
-              </a:spcBef>
-              <a:buFont typeface="Arial" panose="020B0604020202020204" pitchFamily="34" charset="0"/>
-              <a:buNone/>
-              <a:defRPr sz="1600" kern="1200">
-                <a:solidFill>
-                  <a:schemeClr val="tx1"/>
-                </a:solidFill>
-                <a:latin typeface="+mn-lt"/>
-                <a:ea typeface="+mn-ea"/>
-                <a:cs typeface="+mn-cs"/>
-              </a:defRPr>
-            </a:lvl9pPr>
-          </a:lstStyle>
-          <a:p>
-            <a:pPr algn="l"/>
-            <a:endParaRPr lang="fr-FR" dirty="0"/>
-          </a:p>
-        </p:txBody>
-      </p:sp>
-      <p:sp>
-        <p:nvSpPr>
           <p:cNvPr id="7" name="Sous-titre 2">
             <a:extLst>
               <a:ext uri="{FF2B5EF4-FFF2-40B4-BE49-F238E27FC236}">
@@ -33034,8 +33189,8 @@
         </p:nvSpPr>
         <p:spPr>
           <a:xfrm>
-            <a:off x="905691" y="2447109"/>
-            <a:ext cx="6966857" cy="3953691"/>
+            <a:off x="301753" y="2121408"/>
+            <a:ext cx="8375904" cy="4370831"/>
           </a:xfrm>
           <a:prstGeom prst="roundRect">
             <a:avLst/>
@@ -33081,7 +33236,7 @@
         </p:nvSpPr>
         <p:spPr>
           <a:xfrm>
-            <a:off x="6452182" y="2559575"/>
+            <a:off x="7284286" y="2444559"/>
             <a:ext cx="399783" cy="1132114"/>
           </a:xfrm>
           <a:prstGeom prst="roundRect">
@@ -33135,7 +33290,7 @@
         </p:nvSpPr>
         <p:spPr>
           <a:xfrm>
-            <a:off x="6452180" y="5048049"/>
+            <a:off x="7284285" y="5135879"/>
             <a:ext cx="399783" cy="1132114"/>
           </a:xfrm>
           <a:prstGeom prst="roundRect">
@@ -33190,7 +33345,7 @@
         </p:nvSpPr>
         <p:spPr>
           <a:xfrm>
-            <a:off x="6452181" y="3764967"/>
+            <a:off x="7284286" y="3764968"/>
             <a:ext cx="399783" cy="1132114"/>
           </a:xfrm>
           <a:prstGeom prst="roundRect">
@@ -33312,8 +33467,8 @@
         </p:blipFill>
         <p:spPr>
           <a:xfrm>
-            <a:off x="1460548" y="3691689"/>
-            <a:ext cx="1297040" cy="905692"/>
+            <a:off x="982641" y="4005014"/>
+            <a:ext cx="936432" cy="653888"/>
           </a:xfrm>
           <a:prstGeom prst="rect">
             <a:avLst/>
@@ -33334,8 +33489,8 @@
         </p:nvSpPr>
         <p:spPr>
           <a:xfrm>
-            <a:off x="1271452" y="4597381"/>
-            <a:ext cx="1724297" cy="653888"/>
+            <a:off x="739267" y="4658902"/>
+            <a:ext cx="1423180" cy="567054"/>
           </a:xfrm>
           <a:prstGeom prst="rect">
             <a:avLst/>
@@ -33381,15 +33536,16 @@
             </a:extLst>
           </p:cNvPr>
           <p:cNvCxnSpPr>
-            <a:stCxn id="11" idx="5"/>
+            <a:cxnSpLocks/>
+            <a:stCxn id="11" idx="0"/>
             <a:endCxn id="8" idx="1"/>
           </p:cNvCxnSpPr>
           <p:nvPr/>
         </p:nvCxnSpPr>
         <p:spPr>
           <a:xfrm flipV="1">
-            <a:off x="4851228" y="3125632"/>
-            <a:ext cx="1600954" cy="639336"/>
+            <a:off x="5134256" y="3010616"/>
+            <a:ext cx="2150030" cy="1320409"/>
           </a:xfrm>
           <a:prstGeom prst="straightConnector1">
             <a:avLst/>
@@ -33397,6 +33553,52 @@
           <a:ln w="76200">
             <a:solidFill>
               <a:srgbClr val="7030A0"/>
+            </a:solidFill>
+            <a:tailEnd type="triangle"/>
+          </a:ln>
+        </p:spPr>
+        <p:style>
+          <a:lnRef idx="1">
+            <a:schemeClr val="accent1"/>
+          </a:lnRef>
+          <a:fillRef idx="0">
+            <a:schemeClr val="accent1"/>
+          </a:fillRef>
+          <a:effectRef idx="0">
+            <a:schemeClr val="accent1"/>
+          </a:effectRef>
+          <a:fontRef idx="minor">
+            <a:schemeClr val="tx1"/>
+          </a:fontRef>
+        </p:style>
+      </p:cxnSp>
+      <p:cxnSp>
+        <p:nvCxnSpPr>
+          <p:cNvPr id="15" name="Connecteur droit avec flèche 14">
+            <a:extLst>
+              <a:ext uri="{FF2B5EF4-FFF2-40B4-BE49-F238E27FC236}">
+                <a16:creationId xmlns:a16="http://schemas.microsoft.com/office/drawing/2014/main" id="{CE27BD90-0931-4CD4-8F41-834C1D41AD6B}"/>
+              </a:ext>
+            </a:extLst>
+          </p:cNvPr>
+          <p:cNvCxnSpPr>
+            <a:cxnSpLocks/>
+            <a:stCxn id="5" idx="3"/>
+            <a:endCxn id="11" idx="3"/>
+          </p:cNvCxnSpPr>
+          <p:nvPr/>
+        </p:nvCxnSpPr>
+        <p:spPr>
+          <a:xfrm flipV="1">
+            <a:off x="1919073" y="4331025"/>
+            <a:ext cx="1393371" cy="933"/>
+          </a:xfrm>
+          <a:prstGeom prst="straightConnector1">
+            <a:avLst/>
+          </a:prstGeom>
+          <a:ln w="76200">
+            <a:solidFill>
+              <a:srgbClr val="00B0F0"/>
             </a:solidFill>
             <a:tailEnd type="triangle"/>
           </a:ln>
@@ -33701,8 +33903,8 @@
         </p:nvSpPr>
         <p:spPr>
           <a:xfrm>
-            <a:off x="836023" y="1828804"/>
-            <a:ext cx="6966857" cy="3953691"/>
+            <a:off x="252549" y="1828804"/>
+            <a:ext cx="8560526" cy="4754876"/>
           </a:xfrm>
           <a:prstGeom prst="roundRect">
             <a:avLst/>
@@ -33748,7 +33950,7 @@
         </p:nvSpPr>
         <p:spPr>
           <a:xfrm>
-            <a:off x="6765694" y="1941270"/>
+            <a:off x="7589492" y="2014548"/>
             <a:ext cx="399783" cy="1132114"/>
           </a:xfrm>
           <a:prstGeom prst="roundRect">
@@ -33802,7 +34004,7 @@
         </p:nvSpPr>
         <p:spPr>
           <a:xfrm>
-            <a:off x="6765692" y="4429744"/>
+            <a:off x="7589492" y="5132067"/>
             <a:ext cx="399783" cy="1132114"/>
           </a:xfrm>
           <a:prstGeom prst="roundRect">
@@ -33857,7 +34059,7 @@
         </p:nvSpPr>
         <p:spPr>
           <a:xfrm>
-            <a:off x="6765693" y="3146662"/>
+            <a:off x="7589491" y="3560008"/>
             <a:ext cx="399783" cy="1132114"/>
           </a:xfrm>
           <a:prstGeom prst="roundRect">
@@ -33911,8 +34113,8 @@
         </p:nvSpPr>
         <p:spPr>
           <a:xfrm>
-            <a:off x="2676095" y="3214726"/>
-            <a:ext cx="1821812" cy="1132113"/>
+            <a:off x="2670047" y="3757660"/>
+            <a:ext cx="1625243" cy="1018902"/>
           </a:xfrm>
           <a:prstGeom prst="hexagon">
             <a:avLst/>
@@ -33979,8 +34181,8 @@
         </p:blipFill>
         <p:spPr>
           <a:xfrm>
-            <a:off x="1175657" y="3327937"/>
-            <a:ext cx="1297040" cy="905692"/>
+            <a:off x="408548" y="3838440"/>
+            <a:ext cx="1227797" cy="857341"/>
           </a:xfrm>
           <a:prstGeom prst="rect">
             <a:avLst/>
@@ -34000,12 +34202,15 @@
           <p:nvPr/>
         </p:nvSpPr>
         <p:spPr>
-          <a:xfrm rot="20253196">
-            <a:off x="4686138" y="2377362"/>
-            <a:ext cx="1946087" cy="664715"/>
+          <a:xfrm rot="20607099">
+            <a:off x="4025545" y="2789805"/>
+            <a:ext cx="3338961" cy="664715"/>
           </a:xfrm>
           <a:prstGeom prst="rightArrow">
-            <a:avLst/>
+            <a:avLst>
+              <a:gd name="adj1" fmla="val 50000"/>
+              <a:gd name="adj2" fmla="val 151954"/>
+            </a:avLst>
           </a:prstGeom>
         </p:spPr>
         <p:style>
@@ -34053,12 +34258,15 @@
           <p:nvPr/>
         </p:nvSpPr>
         <p:spPr>
-          <a:xfrm>
-            <a:off x="4646095" y="3385565"/>
-            <a:ext cx="2052447" cy="664715"/>
+          <a:xfrm rot="21399967">
+            <a:off x="4295290" y="3838440"/>
+            <a:ext cx="3094728" cy="664715"/>
           </a:xfrm>
           <a:prstGeom prst="rightArrow">
-            <a:avLst/>
+            <a:avLst>
+              <a:gd name="adj1" fmla="val 50000"/>
+              <a:gd name="adj2" fmla="val 114654"/>
+            </a:avLst>
           </a:prstGeom>
         </p:spPr>
         <p:style>
@@ -34107,15 +34315,15 @@
         </p:nvSpPr>
         <p:spPr>
           <a:xfrm rot="1120748">
-            <a:off x="4510051" y="4336939"/>
-            <a:ext cx="1726883" cy="369332"/>
+            <a:off x="4442061" y="5101745"/>
+            <a:ext cx="2618747" cy="369332"/>
           </a:xfrm>
           <a:prstGeom prst="rect">
             <a:avLst/>
           </a:prstGeom>
         </p:spPr>
         <p:txBody>
-          <a:bodyPr wrap="none">
+          <a:bodyPr wrap="square">
             <a:spAutoFit/>
           </a:bodyPr>
           <a:lstStyle/>
@@ -34137,6 +34345,52 @@
           </a:p>
         </p:txBody>
       </p:sp>
+      <p:cxnSp>
+        <p:nvCxnSpPr>
+          <p:cNvPr id="12" name="Connecteur droit avec flèche 11">
+            <a:extLst>
+              <a:ext uri="{FF2B5EF4-FFF2-40B4-BE49-F238E27FC236}">
+                <a16:creationId xmlns:a16="http://schemas.microsoft.com/office/drawing/2014/main" id="{B561C2AB-E6EA-4AEA-9278-779879726916}"/>
+              </a:ext>
+            </a:extLst>
+          </p:cNvPr>
+          <p:cNvCxnSpPr>
+            <a:cxnSpLocks/>
+            <a:stCxn id="5" idx="3"/>
+            <a:endCxn id="11" idx="3"/>
+          </p:cNvCxnSpPr>
+          <p:nvPr/>
+        </p:nvCxnSpPr>
+        <p:spPr>
+          <a:xfrm>
+            <a:off x="1636345" y="4267111"/>
+            <a:ext cx="1033702" cy="0"/>
+          </a:xfrm>
+          <a:prstGeom prst="straightConnector1">
+            <a:avLst/>
+          </a:prstGeom>
+          <a:ln w="76200">
+            <a:solidFill>
+              <a:srgbClr val="00B0F0"/>
+            </a:solidFill>
+            <a:tailEnd type="triangle"/>
+          </a:ln>
+        </p:spPr>
+        <p:style>
+          <a:lnRef idx="1">
+            <a:schemeClr val="accent1"/>
+          </a:lnRef>
+          <a:fillRef idx="0">
+            <a:schemeClr val="accent1"/>
+          </a:fillRef>
+          <a:effectRef idx="0">
+            <a:schemeClr val="accent1"/>
+          </a:effectRef>
+          <a:fontRef idx="minor">
+            <a:schemeClr val="tx1"/>
+          </a:fontRef>
+        </p:style>
+      </p:cxnSp>
     </p:spTree>
     <p:extLst>
       <p:ext uri="{BB962C8B-B14F-4D97-AF65-F5344CB8AC3E}">
